--- a/w4/w4_OOP_2021.pptx
+++ b/w4/w4_OOP_2021.pptx
@@ -5,7 +5,7 @@
     <p:sldMasterId id="2147483766" r:id="rId1"/>
   </p:sldMasterIdLst>
   <p:notesMasterIdLst>
-    <p:notesMasterId r:id="rId21"/>
+    <p:notesMasterId r:id="rId20"/>
   </p:notesMasterIdLst>
   <p:sldIdLst>
     <p:sldId id="256" r:id="rId2"/>
@@ -26,7 +26,6 @@
     <p:sldId id="323" r:id="rId17"/>
     <p:sldId id="324" r:id="rId18"/>
     <p:sldId id="278" r:id="rId19"/>
-    <p:sldId id="262" r:id="rId20"/>
   </p:sldIdLst>
   <p:sldSz cx="12192000" cy="6858000"/>
   <p:notesSz cx="6858000" cy="9144000"/>
@@ -215,7 +214,7 @@
           <a:p>
             <a:fld id="{AD28B2EF-1A80-4400-AB53-58D44E3FB11E}" type="datetimeFigureOut">
               <a:rPr lang="tr-TR" smtClean="0"/>
-              <a:t>29.02.2020</a:t>
+              <a:t>4.04.2021</a:t>
             </a:fld>
             <a:endParaRPr lang="tr-TR"/>
           </a:p>
@@ -986,90 +985,6 @@
 </p:notes>
 </file>
 
-<file path=ppt/notesSlides/notesSlide7.xml><?xml version="1.0" encoding="utf-8"?>
-<p:notes xmlns:a="http://schemas.openxmlformats.org/drawingml/2006/main" xmlns:r="http://schemas.openxmlformats.org/officeDocument/2006/relationships" xmlns:p="http://schemas.openxmlformats.org/presentationml/2006/main">
-  <p:cSld>
-    <p:spTree>
-      <p:nvGrpSpPr>
-        <p:cNvPr id="1" name=""/>
-        <p:cNvGrpSpPr/>
-        <p:nvPr/>
-      </p:nvGrpSpPr>
-      <p:grpSpPr>
-        <a:xfrm>
-          <a:off x="0" y="0"/>
-          <a:ext cx="0" cy="0"/>
-          <a:chOff x="0" y="0"/>
-          <a:chExt cx="0" cy="0"/>
-        </a:xfrm>
-      </p:grpSpPr>
-      <p:sp>
-        <p:nvSpPr>
-          <p:cNvPr id="2" name="Slide Image Placeholder 1"/>
-          <p:cNvSpPr>
-            <a:spLocks noGrp="1" noRot="1" noChangeAspect="1"/>
-          </p:cNvSpPr>
-          <p:nvPr>
-            <p:ph type="sldImg"/>
-          </p:nvPr>
-        </p:nvSpPr>
-        <p:spPr/>
-      </p:sp>
-      <p:sp>
-        <p:nvSpPr>
-          <p:cNvPr id="3" name="Notes Placeholder 2"/>
-          <p:cNvSpPr>
-            <a:spLocks noGrp="1"/>
-          </p:cNvSpPr>
-          <p:nvPr>
-            <p:ph type="body" idx="1"/>
-          </p:nvPr>
-        </p:nvSpPr>
-        <p:spPr/>
-        <p:txBody>
-          <a:bodyPr/>
-          <a:lstStyle/>
-          <a:p>
-            <a:endParaRPr lang="en-US" dirty="0"/>
-          </a:p>
-        </p:txBody>
-      </p:sp>
-      <p:sp>
-        <p:nvSpPr>
-          <p:cNvPr id="4" name="Slide Number Placeholder 3"/>
-          <p:cNvSpPr>
-            <a:spLocks noGrp="1"/>
-          </p:cNvSpPr>
-          <p:nvPr>
-            <p:ph type="sldNum" sz="quarter" idx="10"/>
-          </p:nvPr>
-        </p:nvSpPr>
-        <p:spPr/>
-        <p:txBody>
-          <a:bodyPr/>
-          <a:lstStyle/>
-          <a:p>
-            <a:fld id="{F3DFF3B7-CDDD-40F1-9E00-2CA7C72128F3}" type="slidenum">
-              <a:rPr lang="tr-TR" smtClean="0"/>
-              <a:t>19</a:t>
-            </a:fld>
-            <a:endParaRPr lang="tr-TR"/>
-          </a:p>
-        </p:txBody>
-      </p:sp>
-    </p:spTree>
-    <p:extLst>
-      <p:ext uri="{BB962C8B-B14F-4D97-AF65-F5344CB8AC3E}">
-        <p14:creationId xmlns:p14="http://schemas.microsoft.com/office/powerpoint/2010/main" val="3589229180"/>
-      </p:ext>
-    </p:extLst>
-  </p:cSld>
-  <p:clrMapOvr>
-    <a:masterClrMapping/>
-  </p:clrMapOvr>
-</p:notes>
-</file>
-
 <file path=ppt/slideLayouts/slideLayout1.xml><?xml version="1.0" encoding="utf-8"?>
 <p:sldLayout xmlns:a="http://schemas.openxmlformats.org/drawingml/2006/main" xmlns:r="http://schemas.openxmlformats.org/officeDocument/2006/relationships" xmlns:p="http://schemas.openxmlformats.org/presentationml/2006/main" type="title" preserve="1">
   <p:cSld name="Başlık Slaydı">
@@ -1208,7 +1123,7 @@
           <a:lstStyle/>
           <a:p>
             <a:r>
-              <a:rPr lang="en-US" smtClean="0"/>
+              <a:rPr lang="en-US"/>
               <a:t>18.02.2020 </a:t>
             </a:r>
             <a:endParaRPr lang="tr-TR"/>
@@ -1422,7 +1337,7 @@
           <a:lstStyle/>
           <a:p>
             <a:r>
-              <a:rPr lang="en-US" smtClean="0"/>
+              <a:rPr lang="en-US"/>
               <a:t>18.02.2020 </a:t>
             </a:r>
             <a:endParaRPr lang="tr-TR"/>
@@ -1640,7 +1555,7 @@
           <a:lstStyle/>
           <a:p>
             <a:r>
-              <a:rPr lang="en-US" smtClean="0"/>
+              <a:rPr lang="en-US"/>
               <a:t>18.02.2020 </a:t>
             </a:r>
             <a:endParaRPr lang="tr-TR"/>
@@ -1844,7 +1759,7 @@
           <a:lstStyle/>
           <a:p>
             <a:r>
-              <a:rPr lang="en-US" smtClean="0"/>
+              <a:rPr lang="en-US"/>
               <a:t>18.02.2020 </a:t>
             </a:r>
             <a:endParaRPr lang="tr-TR"/>
@@ -2126,7 +2041,7 @@
           <a:lstStyle/>
           <a:p>
             <a:r>
-              <a:rPr lang="en-US" smtClean="0"/>
+              <a:rPr lang="en-US"/>
               <a:t>18.02.2020 </a:t>
             </a:r>
             <a:endParaRPr lang="tr-TR"/>
@@ -2397,7 +2312,7 @@
           <a:lstStyle/>
           <a:p>
             <a:r>
-              <a:rPr lang="en-US" smtClean="0"/>
+              <a:rPr lang="en-US"/>
               <a:t>18.02.2020 </a:t>
             </a:r>
             <a:endParaRPr lang="tr-TR"/>
@@ -2816,7 +2731,7 @@
           <a:lstStyle/>
           <a:p>
             <a:r>
-              <a:rPr lang="en-US" smtClean="0"/>
+              <a:rPr lang="en-US"/>
               <a:t>18.02.2020 </a:t>
             </a:r>
             <a:endParaRPr lang="tr-TR"/>
@@ -2968,7 +2883,7 @@
           <a:lstStyle/>
           <a:p>
             <a:r>
-              <a:rPr lang="en-US" smtClean="0"/>
+              <a:rPr lang="en-US"/>
               <a:t>18.02.2020 </a:t>
             </a:r>
             <a:endParaRPr lang="tr-TR"/>
@@ -3097,7 +3012,7 @@
           <a:lstStyle/>
           <a:p>
             <a:r>
-              <a:rPr lang="en-US" smtClean="0"/>
+              <a:rPr lang="en-US"/>
               <a:t>18.02.2020 </a:t>
             </a:r>
             <a:endParaRPr lang="tr-TR"/>
@@ -3351,7 +3266,7 @@
           <a:lstStyle/>
           <a:p>
             <a:r>
-              <a:rPr lang="en-US" smtClean="0"/>
+              <a:rPr lang="en-US"/>
               <a:t>18.02.2020 </a:t>
             </a:r>
             <a:endParaRPr lang="tr-TR"/>
@@ -3799,7 +3714,7 @@
           </a:lstStyle>
           <a:p>
             <a:r>
-              <a:rPr lang="en-US" smtClean="0"/>
+              <a:rPr lang="en-US"/>
               <a:t>18.02.2020 </a:t>
             </a:r>
             <a:endParaRPr lang="tr-TR"/>
@@ -4148,7 +4063,7 @@
           </a:lstStyle>
           <a:p>
             <a:r>
-              <a:rPr lang="en-US" smtClean="0"/>
+              <a:rPr lang="en-US"/>
               <a:t>18.02.2020 </a:t>
             </a:r>
             <a:endParaRPr lang="tr-TR"/>
@@ -4619,7 +4534,7 @@
       </a:lvl9pPr>
     </p:otherStyle>
   </p:txStyles>
-  <p:extLst mod="1">
+  <p:extLst>
     <p:ext uri="{27BBF7A9-308A-43DC-89C8-2F10F3537804}">
       <p15:sldGuideLst xmlns:p15="http://schemas.microsoft.com/office/powerpoint/2012/main"/>
     </p:ext>
@@ -4668,9 +4583,10 @@
           <a:lstStyle/>
           <a:p>
             <a:r>
-              <a:rPr lang="tr-TR" sz="5400" dirty="0"/>
-              <a:t>Handan YARICI</a:t>
-            </a:r>
+              <a:rPr lang="en-US" sz="5400" dirty="0"/>
+              <a:t>VOLKAN TUYJI</a:t>
+            </a:r>
+            <a:endParaRPr lang="tr-TR" sz="5400" dirty="0"/>
           </a:p>
         </p:txBody>
       </p:sp>
@@ -4703,9 +4619,10 @@
           <a:lstStyle/>
           <a:p>
             <a:r>
-              <a:rPr lang="tr-TR" sz="4200" dirty="0"/>
-              <a:t>Senıor Software Engıneer</a:t>
-            </a:r>
+              <a:rPr lang="en-US" sz="4200" dirty="0"/>
+              <a:t>SOFTWARE ARCHITECH</a:t>
+            </a:r>
+            <a:endParaRPr lang="tr-TR" sz="4200" dirty="0"/>
           </a:p>
           <a:p>
             <a:pPr>
@@ -4748,170 +4665,6 @@
           </a:p>
           <a:p>
             <a:endParaRPr lang="tr-TR" cap="none" dirty="0"/>
-          </a:p>
-        </p:txBody>
-      </p:sp>
-      <p:pic>
-        <p:nvPicPr>
-          <p:cNvPr id="4098" name="Picture 2" descr="İlgili resim">
-            <a:extLst>
-              <a:ext uri="{FF2B5EF4-FFF2-40B4-BE49-F238E27FC236}">
-                <a16:creationId xmlns:a16="http://schemas.microsoft.com/office/drawing/2014/main" id="{A6DD29CC-332F-4E5D-B201-18EFCAB6B83D}"/>
-              </a:ext>
-            </a:extLst>
-          </p:cNvPr>
-          <p:cNvPicPr>
-            <a:picLocks noChangeAspect="1" noChangeArrowheads="1"/>
-          </p:cNvPicPr>
-          <p:nvPr/>
-        </p:nvPicPr>
-        <p:blipFill>
-          <a:blip r:embed="rId2" cstate="hqprint">
-            <a:extLst>
-              <a:ext uri="{28A0092B-C50C-407E-A947-70E740481C1C}">
-                <a14:useLocalDpi xmlns:a14="http://schemas.microsoft.com/office/drawing/2010/main" val="0"/>
-              </a:ext>
-            </a:extLst>
-          </a:blip>
-          <a:srcRect/>
-          <a:stretch>
-            <a:fillRect/>
-          </a:stretch>
-        </p:blipFill>
-        <p:spPr bwMode="auto">
-          <a:xfrm>
-            <a:off x="8640416" y="5043316"/>
-            <a:ext cx="212036" cy="274840"/>
-          </a:xfrm>
-          <a:prstGeom prst="rect">
-            <a:avLst/>
-          </a:prstGeom>
-          <a:noFill/>
-          <a:extLst>
-            <a:ext uri="{909E8E84-426E-40DD-AFC4-6F175D3DCCD1}">
-              <a14:hiddenFill xmlns:a14="http://schemas.microsoft.com/office/drawing/2010/main">
-                <a:solidFill>
-                  <a:srgbClr val="FFFFFF"/>
-                </a:solidFill>
-              </a14:hiddenFill>
-            </a:ext>
-          </a:extLst>
-        </p:spPr>
-      </p:pic>
-      <p:sp>
-        <p:nvSpPr>
-          <p:cNvPr id="4" name="Metin kutusu 3">
-            <a:extLst>
-              <a:ext uri="{FF2B5EF4-FFF2-40B4-BE49-F238E27FC236}">
-                <a16:creationId xmlns:a16="http://schemas.microsoft.com/office/drawing/2014/main" id="{DAC5B2A2-6239-470C-B0AE-28F7E44D0BE7}"/>
-              </a:ext>
-            </a:extLst>
-          </p:cNvPr>
-          <p:cNvSpPr txBox="1"/>
-          <p:nvPr/>
-        </p:nvSpPr>
-        <p:spPr>
-          <a:xfrm>
-            <a:off x="8852452" y="4996070"/>
-            <a:ext cx="2902226" cy="369332"/>
-          </a:xfrm>
-          <a:prstGeom prst="rect">
-            <a:avLst/>
-          </a:prstGeom>
-          <a:noFill/>
-        </p:spPr>
-        <p:txBody>
-          <a:bodyPr wrap="square" rtlCol="0">
-            <a:spAutoFit/>
-          </a:bodyPr>
-          <a:lstStyle/>
-          <a:p>
-            <a:r>
-              <a:rPr lang="tr-TR" dirty="0"/>
-              <a:t>linkedin.com/in/handanyarici</a:t>
-            </a:r>
-          </a:p>
-        </p:txBody>
-      </p:sp>
-      <p:pic>
-        <p:nvPicPr>
-          <p:cNvPr id="4100" name="Picture 4" descr="github ile ilgili görsel sonucu">
-            <a:extLst>
-              <a:ext uri="{FF2B5EF4-FFF2-40B4-BE49-F238E27FC236}">
-                <a16:creationId xmlns:a16="http://schemas.microsoft.com/office/drawing/2014/main" id="{668E71A2-CD73-46F4-A6F2-AD420734634D}"/>
-              </a:ext>
-            </a:extLst>
-          </p:cNvPr>
-          <p:cNvPicPr>
-            <a:picLocks noChangeAspect="1" noChangeArrowheads="1"/>
-          </p:cNvPicPr>
-          <p:nvPr/>
-        </p:nvPicPr>
-        <p:blipFill>
-          <a:blip r:embed="rId3" cstate="hqprint">
-            <a:extLst>
-              <a:ext uri="{28A0092B-C50C-407E-A947-70E740481C1C}">
-                <a14:useLocalDpi xmlns:a14="http://schemas.microsoft.com/office/drawing/2010/main" val="0"/>
-              </a:ext>
-            </a:extLst>
-          </a:blip>
-          <a:srcRect/>
-          <a:stretch>
-            <a:fillRect/>
-          </a:stretch>
-        </p:blipFill>
-        <p:spPr bwMode="auto">
-          <a:xfrm>
-            <a:off x="8362121" y="5421400"/>
-            <a:ext cx="887105" cy="443553"/>
-          </a:xfrm>
-          <a:prstGeom prst="rect">
-            <a:avLst/>
-          </a:prstGeom>
-          <a:noFill/>
-          <a:extLst>
-            <a:ext uri="{909E8E84-426E-40DD-AFC4-6F175D3DCCD1}">
-              <a14:hiddenFill xmlns:a14="http://schemas.microsoft.com/office/drawing/2010/main">
-                <a:solidFill>
-                  <a:srgbClr val="FFFFFF"/>
-                </a:solidFill>
-              </a14:hiddenFill>
-            </a:ext>
-          </a:extLst>
-        </p:spPr>
-      </p:pic>
-      <p:sp>
-        <p:nvSpPr>
-          <p:cNvPr id="5" name="Metin kutusu 4">
-            <a:extLst>
-              <a:ext uri="{FF2B5EF4-FFF2-40B4-BE49-F238E27FC236}">
-                <a16:creationId xmlns:a16="http://schemas.microsoft.com/office/drawing/2014/main" id="{A5DF2B4E-4BC0-4948-9966-232899755A30}"/>
-              </a:ext>
-            </a:extLst>
-          </p:cNvPr>
-          <p:cNvSpPr txBox="1"/>
-          <p:nvPr/>
-        </p:nvSpPr>
-        <p:spPr>
-          <a:xfrm>
-            <a:off x="9024730" y="5421400"/>
-            <a:ext cx="2438400" cy="369332"/>
-          </a:xfrm>
-          <a:prstGeom prst="rect">
-            <a:avLst/>
-          </a:prstGeom>
-          <a:noFill/>
-        </p:spPr>
-        <p:txBody>
-          <a:bodyPr wrap="square" rtlCol="0">
-            <a:spAutoFit/>
-          </a:bodyPr>
-          <a:lstStyle/>
-          <a:p>
-            <a:r>
-              <a:rPr lang="tr-TR" dirty="0"/>
-              <a:t>github.com/handanyarici</a:t>
-            </a:r>
           </a:p>
         </p:txBody>
       </p:sp>
@@ -4937,19 +4690,19 @@
           <a:lstStyle/>
           <a:p>
             <a:r>
-              <a:rPr lang="tr-TR" dirty="0" smtClean="0"/>
+              <a:rPr lang="tr-TR" dirty="0"/>
               <a:t>03</a:t>
             </a:r>
             <a:r>
-              <a:rPr lang="en-US" dirty="0" smtClean="0"/>
+              <a:rPr lang="en-US" dirty="0"/>
               <a:t>.0</a:t>
             </a:r>
             <a:r>
-              <a:rPr lang="tr-TR" dirty="0" smtClean="0"/>
+              <a:rPr lang="tr-TR" dirty="0"/>
               <a:t>3</a:t>
             </a:r>
             <a:r>
-              <a:rPr lang="en-US" dirty="0" smtClean="0"/>
+              <a:rPr lang="en-US" dirty="0"/>
               <a:t>.2020 </a:t>
             </a:r>
             <a:endParaRPr lang="tr-TR" dirty="0"/>
@@ -5030,7 +4783,6 @@
               <a:rPr lang="tr-TR" dirty="0"/>
               <a:t>unun parametreleri</a:t>
             </a:r>
-            <a:endParaRPr lang="tr-TR" dirty="0"/>
           </a:p>
         </p:txBody>
       </p:sp>
@@ -5624,19 +5376,19 @@
           <a:lstStyle/>
           <a:p>
             <a:r>
-              <a:rPr lang="tr-TR" dirty="0" smtClean="0"/>
+              <a:rPr lang="tr-TR" dirty="0"/>
               <a:t>03</a:t>
             </a:r>
             <a:r>
-              <a:rPr lang="en-US" dirty="0" smtClean="0"/>
+              <a:rPr lang="en-US" dirty="0"/>
               <a:t>.0</a:t>
             </a:r>
             <a:r>
-              <a:rPr lang="tr-TR" dirty="0" smtClean="0"/>
+              <a:rPr lang="tr-TR" dirty="0"/>
               <a:t>3</a:t>
             </a:r>
             <a:r>
-              <a:rPr lang="en-US" dirty="0" smtClean="0"/>
+              <a:rPr lang="en-US" dirty="0"/>
               <a:t>.2020 </a:t>
             </a:r>
             <a:endParaRPr lang="tr-TR" dirty="0"/>
@@ -5795,19 +5547,19 @@
           <a:lstStyle/>
           <a:p>
             <a:r>
-              <a:rPr lang="tr-TR" dirty="0" smtClean="0"/>
+              <a:rPr lang="tr-TR" dirty="0"/>
               <a:t>03</a:t>
             </a:r>
             <a:r>
-              <a:rPr lang="en-US" dirty="0" smtClean="0"/>
+              <a:rPr lang="en-US" dirty="0"/>
               <a:t>.0</a:t>
             </a:r>
             <a:r>
-              <a:rPr lang="tr-TR" dirty="0" smtClean="0"/>
+              <a:rPr lang="tr-TR" dirty="0"/>
               <a:t>3</a:t>
             </a:r>
             <a:r>
-              <a:rPr lang="en-US" dirty="0" smtClean="0"/>
+              <a:rPr lang="en-US" dirty="0"/>
               <a:t>.2020 </a:t>
             </a:r>
             <a:endParaRPr lang="tr-TR" dirty="0"/>
@@ -5931,19 +5683,19 @@
           <a:lstStyle/>
           <a:p>
             <a:r>
-              <a:rPr lang="tr-TR" dirty="0" smtClean="0"/>
+              <a:rPr lang="tr-TR" dirty="0"/>
               <a:t>03</a:t>
             </a:r>
             <a:r>
-              <a:rPr lang="en-US" dirty="0" smtClean="0"/>
+              <a:rPr lang="en-US" dirty="0"/>
               <a:t>.0</a:t>
             </a:r>
             <a:r>
-              <a:rPr lang="tr-TR" dirty="0" smtClean="0"/>
+              <a:rPr lang="tr-TR" dirty="0"/>
               <a:t>3</a:t>
             </a:r>
             <a:r>
-              <a:rPr lang="en-US" dirty="0" smtClean="0"/>
+              <a:rPr lang="en-US" dirty="0"/>
               <a:t>.2020 </a:t>
             </a:r>
             <a:endParaRPr lang="tr-TR" dirty="0"/>
@@ -6042,13 +5794,8 @@
             </a:r>
             <a:r>
               <a:rPr lang="en-US" dirty="0"/>
-              <a:t> method that returns true if and only the arrays have the same length and all corresponding values are </a:t>
-            </a:r>
-            <a:r>
-              <a:rPr lang="en-US" dirty="0" smtClean="0"/>
-              <a:t>equal</a:t>
-            </a:r>
-            <a:endParaRPr lang="en-US" dirty="0"/>
+              <a:t> method that returns true if and only the arrays have the same length and all corresponding values are equal</a:t>
+            </a:r>
           </a:p>
           <a:p>
             <a:pPr marL="320040" indent="-320040">
@@ -6127,19 +5874,19 @@
           <a:lstStyle/>
           <a:p>
             <a:r>
-              <a:rPr lang="tr-TR" dirty="0" smtClean="0"/>
+              <a:rPr lang="tr-TR" dirty="0"/>
               <a:t>03</a:t>
             </a:r>
             <a:r>
-              <a:rPr lang="en-US" dirty="0" smtClean="0"/>
+              <a:rPr lang="en-US" dirty="0"/>
               <a:t>.0</a:t>
             </a:r>
             <a:r>
-              <a:rPr lang="tr-TR" dirty="0" smtClean="0"/>
+              <a:rPr lang="tr-TR" dirty="0"/>
               <a:t>3</a:t>
             </a:r>
             <a:r>
-              <a:rPr lang="en-US" dirty="0" smtClean="0"/>
+              <a:rPr lang="en-US" dirty="0"/>
               <a:t>.2020 </a:t>
             </a:r>
             <a:endParaRPr lang="tr-TR" dirty="0"/>
@@ -6622,19 +6369,19 @@
           <a:lstStyle/>
           <a:p>
             <a:r>
-              <a:rPr lang="tr-TR" dirty="0" smtClean="0"/>
+              <a:rPr lang="tr-TR" dirty="0"/>
               <a:t>03</a:t>
             </a:r>
             <a:r>
-              <a:rPr lang="en-US" dirty="0" smtClean="0"/>
+              <a:rPr lang="en-US" dirty="0"/>
               <a:t>.0</a:t>
             </a:r>
             <a:r>
-              <a:rPr lang="tr-TR" dirty="0" smtClean="0"/>
+              <a:rPr lang="tr-TR" dirty="0"/>
               <a:t>3</a:t>
             </a:r>
             <a:r>
-              <a:rPr lang="en-US" dirty="0" smtClean="0"/>
+              <a:rPr lang="en-US" dirty="0"/>
               <a:t>.2020 </a:t>
             </a:r>
             <a:endParaRPr lang="tr-TR" dirty="0"/>
@@ -6723,46 +6470,46 @@
           <a:p>
             <a:pPr eaLnBrk="1" hangingPunct="1"/>
             <a:r>
-              <a:rPr lang="en-US" altLang="tr-TR" sz="2400" dirty="0" smtClean="0"/>
+              <a:rPr lang="en-US" altLang="tr-TR" sz="2400" dirty="0"/>
               <a:t>2</a:t>
             </a:r>
             <a:r>
-              <a:rPr lang="tr-TR" altLang="tr-TR" sz="2400" dirty="0" smtClean="0"/>
+              <a:rPr lang="tr-TR" altLang="tr-TR" sz="2400" dirty="0"/>
               <a:t> boyutlu </a:t>
             </a:r>
             <a:r>
-              <a:rPr lang="tr-TR" altLang="tr-TR" sz="2400" dirty="0" smtClean="0">
+              <a:rPr lang="tr-TR" altLang="tr-TR" sz="2400" dirty="0">
                 <a:latin typeface="Courier New" panose="02070309020205020404" pitchFamily="49" charset="0"/>
                 <a:cs typeface="Courier New" panose="02070309020205020404" pitchFamily="49" charset="0"/>
               </a:rPr>
               <a:t>tablo</a:t>
             </a:r>
             <a:r>
-              <a:rPr lang="tr-TR" altLang="tr-TR" sz="2400" dirty="0" smtClean="0"/>
+              <a:rPr lang="tr-TR" altLang="tr-TR" sz="2400" dirty="0"/>
               <a:t> adında bir </a:t>
             </a:r>
             <a:r>
-              <a:rPr lang="en-US" altLang="tr-TR" sz="2400" dirty="0" err="1" smtClean="0">
+              <a:rPr lang="en-US" altLang="tr-TR" sz="2400" dirty="0" err="1">
                 <a:latin typeface="Courier New" panose="02070309020205020404" pitchFamily="49" charset="0"/>
               </a:rPr>
               <a:t>int</a:t>
             </a:r>
             <a:r>
-              <a:rPr lang="en-US" altLang="tr-TR" sz="2400" dirty="0" smtClean="0"/>
+              <a:rPr lang="en-US" altLang="tr-TR" sz="2400" dirty="0"/>
               <a:t> </a:t>
             </a:r>
             <a:r>
-              <a:rPr lang="tr-TR" altLang="tr-TR" sz="2400" dirty="0" smtClean="0"/>
+              <a:rPr lang="tr-TR" altLang="tr-TR" sz="2400" dirty="0"/>
               <a:t>dizisi</a:t>
             </a:r>
-            <a:endParaRPr lang="en-US" altLang="tr-TR" sz="2400" dirty="0" smtClean="0">
+            <a:endParaRPr lang="en-US" altLang="tr-TR" sz="2400" dirty="0">
               <a:latin typeface="Courier New" panose="02070309020205020404" pitchFamily="49" charset="0"/>
             </a:endParaRPr>
           </a:p>
           <a:p>
             <a:pPr lvl="1" eaLnBrk="1" hangingPunct="1"/>
             <a:r>
-              <a:rPr lang="tr-TR" altLang="tr-TR" sz="2400" dirty="0" smtClean="0"/>
+              <a:rPr lang="tr-TR" altLang="tr-TR" sz="2400" dirty="0"/>
               <a:t>on satır ve altı sütundan oluşacak</a:t>
             </a:r>
           </a:p>
@@ -6772,58 +6519,46 @@
               <a:buNone/>
             </a:pPr>
             <a:r>
-              <a:rPr lang="en-US" altLang="tr-TR" sz="2400" dirty="0" smtClean="0"/>
+              <a:rPr lang="en-US" altLang="tr-TR" sz="2400" dirty="0"/>
               <a:t> </a:t>
             </a:r>
             <a:r>
-              <a:rPr lang="en-US" altLang="tr-TR" sz="2400" dirty="0" err="1" smtClean="0">
+              <a:rPr lang="en-US" altLang="tr-TR" sz="2400" dirty="0" err="1">
                 <a:latin typeface="Courier New" panose="02070309020205020404" pitchFamily="49" charset="0"/>
               </a:rPr>
               <a:t>int</a:t>
             </a:r>
             <a:r>
-              <a:rPr lang="en-US" altLang="tr-TR" sz="2400" dirty="0" smtClean="0">
+              <a:rPr lang="en-US" altLang="tr-TR" sz="2400" dirty="0">
                 <a:latin typeface="Courier New" panose="02070309020205020404" pitchFamily="49" charset="0"/>
               </a:rPr>
               <a:t>[][] </a:t>
             </a:r>
             <a:r>
-              <a:rPr lang="tr-TR" altLang="tr-TR" sz="2400" dirty="0" smtClean="0">
+              <a:rPr lang="tr-TR" altLang="tr-TR" sz="2400" dirty="0">
                 <a:latin typeface="Courier New" panose="02070309020205020404" pitchFamily="49" charset="0"/>
               </a:rPr>
               <a:t>tablo</a:t>
             </a:r>
             <a:r>
-              <a:rPr lang="en-US" altLang="tr-TR" sz="2400" dirty="0" smtClean="0">
+              <a:rPr lang="en-US" altLang="tr-TR" sz="2400" dirty="0">
                 <a:latin typeface="Courier New" panose="02070309020205020404" pitchFamily="49" charset="0"/>
               </a:rPr>
-              <a:t> </a:t>
-            </a:r>
-            <a:r>
-              <a:rPr lang="en-US" altLang="tr-TR" sz="2400" dirty="0" smtClean="0">
+              <a:t> = new </a:t>
+            </a:r>
+            <a:r>
+              <a:rPr lang="en-US" altLang="tr-TR" sz="2400" dirty="0" err="1">
                 <a:latin typeface="Courier New" panose="02070309020205020404" pitchFamily="49" charset="0"/>
               </a:rPr>
-              <a:t>= new </a:t>
-            </a:r>
-            <a:r>
-              <a:rPr lang="en-US" altLang="tr-TR" sz="2400" dirty="0" err="1" smtClean="0">
+              <a:t>int</a:t>
+            </a:r>
+            <a:r>
+              <a:rPr lang="en-US" altLang="tr-TR" sz="2400" dirty="0">
                 <a:latin typeface="Courier New" panose="02070309020205020404" pitchFamily="49" charset="0"/>
               </a:rPr>
-              <a:t>int</a:t>
-            </a:r>
-            <a:r>
-              <a:rPr lang="en-US" altLang="tr-TR" sz="2400" dirty="0" smtClean="0">
-                <a:latin typeface="Courier New" panose="02070309020205020404" pitchFamily="49" charset="0"/>
-              </a:rPr>
-              <a:t>[10][6</a:t>
-            </a:r>
-            <a:r>
-              <a:rPr lang="en-US" altLang="tr-TR" sz="2400" dirty="0" smtClean="0">
-                <a:latin typeface="Courier New" panose="02070309020205020404" pitchFamily="49" charset="0"/>
-              </a:rPr>
-              <a:t>];</a:t>
-            </a:r>
-            <a:endParaRPr lang="tr-TR" altLang="tr-TR" sz="2400" dirty="0" smtClean="0">
+              <a:t>[10][6];</a:t>
+            </a:r>
+            <a:endParaRPr lang="tr-TR" altLang="tr-TR" sz="2400" dirty="0">
               <a:latin typeface="Courier New" panose="02070309020205020404" pitchFamily="49" charset="0"/>
             </a:endParaRPr>
           </a:p>
@@ -6832,7 +6567,7 @@
               <a:buFont typeface="Arial" panose="020B0604020202020204" pitchFamily="34" charset="0"/>
               <a:buNone/>
             </a:pPr>
-            <a:endParaRPr lang="tr-TR" altLang="tr-TR" sz="2400" dirty="0" smtClean="0">
+            <a:endParaRPr lang="tr-TR" altLang="tr-TR" sz="2400" dirty="0">
               <a:latin typeface="Courier New" panose="02070309020205020404" pitchFamily="49" charset="0"/>
             </a:endParaRPr>
           </a:p>
@@ -7183,7 +6918,7 @@
               <a:buFont typeface="Arial" panose="020B0604020202020204" pitchFamily="34" charset="0"/>
               <a:buNone/>
             </a:pPr>
-            <a:endParaRPr lang="en-US" altLang="tr-TR" sz="2400" dirty="0" smtClean="0"/>
+            <a:endParaRPr lang="en-US" altLang="tr-TR" sz="2400" dirty="0"/>
           </a:p>
         </p:txBody>
       </p:sp>
@@ -7214,19 +6949,19 @@
           <a:lstStyle/>
           <a:p>
             <a:r>
-              <a:rPr lang="tr-TR" dirty="0" smtClean="0"/>
+              <a:rPr lang="tr-TR" dirty="0"/>
               <a:t>03</a:t>
             </a:r>
             <a:r>
-              <a:rPr lang="en-US" dirty="0" smtClean="0"/>
+              <a:rPr lang="en-US" dirty="0"/>
               <a:t>.0</a:t>
             </a:r>
             <a:r>
-              <a:rPr lang="tr-TR" dirty="0" smtClean="0"/>
+              <a:rPr lang="tr-TR" dirty="0"/>
               <a:t>3</a:t>
             </a:r>
             <a:r>
-              <a:rPr lang="en-US" dirty="0" smtClean="0"/>
+              <a:rPr lang="en-US" dirty="0"/>
               <a:t>.2020 </a:t>
             </a:r>
             <a:endParaRPr lang="tr-TR" dirty="0"/>
@@ -7340,19 +7075,19 @@
           <a:lstStyle/>
           <a:p>
             <a:r>
-              <a:rPr lang="tr-TR" dirty="0" smtClean="0"/>
+              <a:rPr lang="tr-TR" dirty="0"/>
               <a:t>03</a:t>
             </a:r>
             <a:r>
-              <a:rPr lang="en-US" dirty="0" smtClean="0"/>
+              <a:rPr lang="en-US" dirty="0"/>
               <a:t>.0</a:t>
             </a:r>
             <a:r>
-              <a:rPr lang="tr-TR" dirty="0" smtClean="0"/>
+              <a:rPr lang="tr-TR" dirty="0"/>
               <a:t>3</a:t>
             </a:r>
             <a:r>
-              <a:rPr lang="en-US" dirty="0" smtClean="0"/>
+              <a:rPr lang="en-US" dirty="0"/>
               <a:t>.2020 </a:t>
             </a:r>
             <a:endParaRPr lang="tr-TR" dirty="0"/>
@@ -7408,7 +7143,7 @@
           <a:lstStyle/>
           <a:p>
             <a:r>
-              <a:rPr lang="tr-TR" dirty="0" smtClean="0"/>
+              <a:rPr lang="tr-TR" dirty="0"/>
               <a:t>2 Boyutlu dizi oluşturma - örnek</a:t>
             </a:r>
             <a:endParaRPr lang="en-US" dirty="0"/>
@@ -7437,354 +7172,284 @@
               <a:buNone/>
             </a:pPr>
             <a:r>
-              <a:rPr lang="en-US" altLang="tr-TR" sz="2400" dirty="0" smtClean="0">
+              <a:rPr lang="en-US" altLang="tr-TR" sz="2400" dirty="0">
                 <a:latin typeface="Courier New" panose="02070309020205020404" pitchFamily="49" charset="0"/>
                 <a:cs typeface="Courier New" panose="02070309020205020404" pitchFamily="49" charset="0"/>
               </a:rPr>
               <a:t>class </a:t>
             </a:r>
             <a:r>
-              <a:rPr lang="tr-TR" altLang="tr-TR" sz="2400" dirty="0" err="1" smtClean="0">
+              <a:rPr lang="tr-TR" altLang="tr-TR" sz="2400" dirty="0" err="1">
                 <a:latin typeface="Courier New" panose="02070309020205020404" pitchFamily="49" charset="0"/>
                 <a:cs typeface="Courier New" panose="02070309020205020404" pitchFamily="49" charset="0"/>
               </a:rPr>
               <a:t>diziDoldur</a:t>
             </a:r>
             <a:r>
-              <a:rPr lang="en-US" altLang="tr-TR" sz="2400" dirty="0" smtClean="0">
+              <a:rPr lang="en-US" altLang="tr-TR" sz="2400" dirty="0">
                 <a:latin typeface="Courier New" panose="02070309020205020404" pitchFamily="49" charset="0"/>
                 <a:cs typeface="Courier New" panose="02070309020205020404" pitchFamily="49" charset="0"/>
               </a:rPr>
               <a:t> { </a:t>
             </a:r>
-            <a:r>
-              <a:rPr lang="tr-TR" altLang="tr-TR" sz="2400" dirty="0" smtClean="0">
+            <a:br>
+              <a:rPr lang="tr-TR" altLang="tr-TR" sz="2400" dirty="0">
                 <a:latin typeface="Courier New" panose="02070309020205020404" pitchFamily="49" charset="0"/>
                 <a:cs typeface="Courier New" panose="02070309020205020404" pitchFamily="49" charset="0"/>
               </a:rPr>
-              <a:t/>
-            </a:r>
-            <a:br>
-              <a:rPr lang="tr-TR" altLang="tr-TR" sz="2400" dirty="0" smtClean="0">
+            </a:br>
+            <a:r>
+              <a:rPr lang="en-US" altLang="tr-TR" sz="2400" dirty="0">
                 <a:latin typeface="Courier New" panose="02070309020205020404" pitchFamily="49" charset="0"/>
                 <a:cs typeface="Courier New" panose="02070309020205020404" pitchFamily="49" charset="0"/>
               </a:rPr>
-            </a:br>
-            <a:r>
-              <a:rPr lang="en-US" altLang="tr-TR" sz="2400" dirty="0" smtClean="0">
+              <a:t>public static void main (String </a:t>
+            </a:r>
+            <a:r>
+              <a:rPr lang="en-US" altLang="tr-TR" sz="2400" dirty="0" err="1">
                 <a:latin typeface="Courier New" panose="02070309020205020404" pitchFamily="49" charset="0"/>
                 <a:cs typeface="Courier New" panose="02070309020205020404" pitchFamily="49" charset="0"/>
               </a:rPr>
-              <a:t>public static void main (String </a:t>
-            </a:r>
-            <a:r>
-              <a:rPr lang="en-US" altLang="tr-TR" sz="2400" dirty="0" err="1" smtClean="0">
+              <a:t>args</a:t>
+            </a:r>
+            <a:r>
+              <a:rPr lang="en-US" altLang="tr-TR" sz="2400" dirty="0">
                 <a:latin typeface="Courier New" panose="02070309020205020404" pitchFamily="49" charset="0"/>
                 <a:cs typeface="Courier New" panose="02070309020205020404" pitchFamily="49" charset="0"/>
               </a:rPr>
-              <a:t>args</a:t>
-            </a:r>
-            <a:r>
-              <a:rPr lang="en-US" altLang="tr-TR" sz="2400" dirty="0" smtClean="0">
+              <a:t>[]) { </a:t>
+            </a:r>
+            <a:br>
+              <a:rPr lang="tr-TR" altLang="tr-TR" sz="2400" dirty="0">
                 <a:latin typeface="Courier New" panose="02070309020205020404" pitchFamily="49" charset="0"/>
                 <a:cs typeface="Courier New" panose="02070309020205020404" pitchFamily="49" charset="0"/>
               </a:rPr>
-              <a:t>[]) { </a:t>
-            </a:r>
-            <a:r>
-              <a:rPr lang="tr-TR" altLang="tr-TR" sz="2400" dirty="0" smtClean="0">
+            </a:br>
+            <a:r>
+              <a:rPr lang="tr-TR" altLang="tr-TR" sz="2400" dirty="0">
                 <a:latin typeface="Courier New" panose="02070309020205020404" pitchFamily="49" charset="0"/>
                 <a:cs typeface="Courier New" panose="02070309020205020404" pitchFamily="49" charset="0"/>
               </a:rPr>
-              <a:t/>
-            </a:r>
-            <a:br>
-              <a:rPr lang="tr-TR" altLang="tr-TR" sz="2400" dirty="0" smtClean="0">
+              <a:t>  </a:t>
+            </a:r>
+            <a:r>
+              <a:rPr lang="en-US" altLang="tr-TR" sz="2400" dirty="0" err="1">
                 <a:latin typeface="Courier New" panose="02070309020205020404" pitchFamily="49" charset="0"/>
                 <a:cs typeface="Courier New" panose="02070309020205020404" pitchFamily="49" charset="0"/>
               </a:rPr>
-            </a:br>
-            <a:r>
-              <a:rPr lang="tr-TR" altLang="tr-TR" sz="2400" dirty="0" smtClean="0">
+              <a:t>int</a:t>
+            </a:r>
+            <a:r>
+              <a:rPr lang="en-US" altLang="tr-TR" sz="2400" dirty="0">
                 <a:latin typeface="Courier New" panose="02070309020205020404" pitchFamily="49" charset="0"/>
                 <a:cs typeface="Courier New" panose="02070309020205020404" pitchFamily="49" charset="0"/>
               </a:rPr>
-              <a:t>  </a:t>
-            </a:r>
-            <a:r>
-              <a:rPr lang="en-US" altLang="tr-TR" sz="2400" dirty="0" err="1" smtClean="0">
+              <a:t>[][] M; </a:t>
+            </a:r>
+            <a:br>
+              <a:rPr lang="tr-TR" altLang="tr-TR" sz="2400" dirty="0">
                 <a:latin typeface="Courier New" panose="02070309020205020404" pitchFamily="49" charset="0"/>
                 <a:cs typeface="Courier New" panose="02070309020205020404" pitchFamily="49" charset="0"/>
               </a:rPr>
-              <a:t>int</a:t>
-            </a:r>
-            <a:r>
-              <a:rPr lang="en-US" altLang="tr-TR" sz="2400" dirty="0" smtClean="0">
+            </a:br>
+            <a:r>
+              <a:rPr lang="tr-TR" altLang="tr-TR" sz="2400" dirty="0">
                 <a:latin typeface="Courier New" panose="02070309020205020404" pitchFamily="49" charset="0"/>
                 <a:cs typeface="Courier New" panose="02070309020205020404" pitchFamily="49" charset="0"/>
               </a:rPr>
-              <a:t>[][] M; </a:t>
-            </a:r>
-            <a:r>
-              <a:rPr lang="tr-TR" altLang="tr-TR" sz="2400" dirty="0" smtClean="0">
+              <a:t>  </a:t>
+            </a:r>
+            <a:r>
+              <a:rPr lang="en-US" altLang="tr-TR" sz="2400" dirty="0">
                 <a:latin typeface="Courier New" panose="02070309020205020404" pitchFamily="49" charset="0"/>
                 <a:cs typeface="Courier New" panose="02070309020205020404" pitchFamily="49" charset="0"/>
               </a:rPr>
-              <a:t/>
-            </a:r>
-            <a:br>
-              <a:rPr lang="tr-TR" altLang="tr-TR" sz="2400" dirty="0" smtClean="0">
+              <a:t>M = new </a:t>
+            </a:r>
+            <a:r>
+              <a:rPr lang="en-US" altLang="tr-TR" sz="2400" dirty="0" err="1">
                 <a:latin typeface="Courier New" panose="02070309020205020404" pitchFamily="49" charset="0"/>
                 <a:cs typeface="Courier New" panose="02070309020205020404" pitchFamily="49" charset="0"/>
               </a:rPr>
-            </a:br>
-            <a:r>
-              <a:rPr lang="tr-TR" altLang="tr-TR" sz="2400" dirty="0" smtClean="0">
+              <a:t>int</a:t>
+            </a:r>
+            <a:r>
+              <a:rPr lang="en-US" altLang="tr-TR" sz="2400" dirty="0">
                 <a:latin typeface="Courier New" panose="02070309020205020404" pitchFamily="49" charset="0"/>
                 <a:cs typeface="Courier New" panose="02070309020205020404" pitchFamily="49" charset="0"/>
               </a:rPr>
-              <a:t>  </a:t>
-            </a:r>
-            <a:r>
-              <a:rPr lang="en-US" altLang="tr-TR" sz="2400" dirty="0" smtClean="0">
+              <a:t>[4][5]; </a:t>
+            </a:r>
+            <a:br>
+              <a:rPr lang="tr-TR" altLang="tr-TR" sz="2400" dirty="0">
                 <a:latin typeface="Courier New" panose="02070309020205020404" pitchFamily="49" charset="0"/>
                 <a:cs typeface="Courier New" panose="02070309020205020404" pitchFamily="49" charset="0"/>
               </a:rPr>
-              <a:t>M = new </a:t>
-            </a:r>
-            <a:r>
-              <a:rPr lang="en-US" altLang="tr-TR" sz="2400" dirty="0" err="1" smtClean="0">
+            </a:br>
+            <a:r>
+              <a:rPr lang="tr-TR" altLang="tr-TR" sz="2400" dirty="0">
                 <a:latin typeface="Courier New" panose="02070309020205020404" pitchFamily="49" charset="0"/>
                 <a:cs typeface="Courier New" panose="02070309020205020404" pitchFamily="49" charset="0"/>
               </a:rPr>
-              <a:t>int</a:t>
-            </a:r>
-            <a:r>
-              <a:rPr lang="en-US" altLang="tr-TR" sz="2400" dirty="0" smtClean="0">
+              <a:t>  </a:t>
+            </a:r>
+            <a:r>
+              <a:rPr lang="en-US" altLang="tr-TR" sz="2400" dirty="0">
                 <a:latin typeface="Courier New" panose="02070309020205020404" pitchFamily="49" charset="0"/>
                 <a:cs typeface="Courier New" panose="02070309020205020404" pitchFamily="49" charset="0"/>
               </a:rPr>
-              <a:t>[4][5]; </a:t>
-            </a:r>
-            <a:r>
-              <a:rPr lang="tr-TR" altLang="tr-TR" sz="2400" dirty="0" smtClean="0">
+              <a:t>for (</a:t>
+            </a:r>
+            <a:r>
+              <a:rPr lang="en-US" altLang="tr-TR" sz="2400" dirty="0" err="1">
                 <a:latin typeface="Courier New" panose="02070309020205020404" pitchFamily="49" charset="0"/>
                 <a:cs typeface="Courier New" panose="02070309020205020404" pitchFamily="49" charset="0"/>
               </a:rPr>
-              <a:t/>
-            </a:r>
-            <a:br>
-              <a:rPr lang="tr-TR" altLang="tr-TR" sz="2400" dirty="0" smtClean="0">
+              <a:t>int</a:t>
+            </a:r>
+            <a:r>
+              <a:rPr lang="en-US" altLang="tr-TR" sz="2400" dirty="0">
                 <a:latin typeface="Courier New" panose="02070309020205020404" pitchFamily="49" charset="0"/>
                 <a:cs typeface="Courier New" panose="02070309020205020404" pitchFamily="49" charset="0"/>
               </a:rPr>
-            </a:br>
-            <a:r>
-              <a:rPr lang="tr-TR" altLang="tr-TR" sz="2400" dirty="0" smtClean="0">
+              <a:t> row=0; row &lt; 4; row++) { </a:t>
+            </a:r>
+            <a:br>
+              <a:rPr lang="tr-TR" altLang="tr-TR" sz="2400" dirty="0">
                 <a:latin typeface="Courier New" panose="02070309020205020404" pitchFamily="49" charset="0"/>
                 <a:cs typeface="Courier New" panose="02070309020205020404" pitchFamily="49" charset="0"/>
               </a:rPr>
-              <a:t>  </a:t>
-            </a:r>
-            <a:r>
-              <a:rPr lang="en-US" altLang="tr-TR" sz="2400" dirty="0" smtClean="0">
+            </a:br>
+            <a:r>
+              <a:rPr lang="tr-TR" altLang="tr-TR" sz="2400" dirty="0">
                 <a:latin typeface="Courier New" panose="02070309020205020404" pitchFamily="49" charset="0"/>
                 <a:cs typeface="Courier New" panose="02070309020205020404" pitchFamily="49" charset="0"/>
               </a:rPr>
-              <a:t>for (</a:t>
-            </a:r>
-            <a:r>
-              <a:rPr lang="en-US" altLang="tr-TR" sz="2400" dirty="0" err="1" smtClean="0">
+              <a:t>    </a:t>
+            </a:r>
+            <a:r>
+              <a:rPr lang="en-US" altLang="tr-TR" sz="2400" dirty="0">
                 <a:latin typeface="Courier New" panose="02070309020205020404" pitchFamily="49" charset="0"/>
                 <a:cs typeface="Courier New" panose="02070309020205020404" pitchFamily="49" charset="0"/>
               </a:rPr>
-              <a:t>int</a:t>
-            </a:r>
-            <a:r>
-              <a:rPr lang="en-US" altLang="tr-TR" sz="2400" dirty="0" smtClean="0">
+              <a:t>for (</a:t>
+            </a:r>
+            <a:r>
+              <a:rPr lang="en-US" altLang="tr-TR" sz="2400" dirty="0" err="1">
                 <a:latin typeface="Courier New" panose="02070309020205020404" pitchFamily="49" charset="0"/>
                 <a:cs typeface="Courier New" panose="02070309020205020404" pitchFamily="49" charset="0"/>
               </a:rPr>
-              <a:t> row=0; row &lt; 4; row++) { </a:t>
-            </a:r>
-            <a:r>
-              <a:rPr lang="tr-TR" altLang="tr-TR" sz="2400" dirty="0" smtClean="0">
+              <a:t>int</a:t>
+            </a:r>
+            <a:r>
+              <a:rPr lang="en-US" altLang="tr-TR" sz="2400" dirty="0">
                 <a:latin typeface="Courier New" panose="02070309020205020404" pitchFamily="49" charset="0"/>
                 <a:cs typeface="Courier New" panose="02070309020205020404" pitchFamily="49" charset="0"/>
               </a:rPr>
-              <a:t/>
+              <a:t> col=0; col &lt; 5; col++) { </a:t>
             </a:r>
             <a:br>
-              <a:rPr lang="tr-TR" altLang="tr-TR" sz="2400" dirty="0" smtClean="0">
+              <a:rPr lang="tr-TR" altLang="tr-TR" sz="2400" dirty="0">
                 <a:latin typeface="Courier New" panose="02070309020205020404" pitchFamily="49" charset="0"/>
                 <a:cs typeface="Courier New" panose="02070309020205020404" pitchFamily="49" charset="0"/>
               </a:rPr>
             </a:br>
             <a:r>
-              <a:rPr lang="tr-TR" altLang="tr-TR" sz="2400" dirty="0" smtClean="0">
+              <a:rPr lang="tr-TR" altLang="tr-TR" sz="2400" dirty="0">
                 <a:latin typeface="Courier New" panose="02070309020205020404" pitchFamily="49" charset="0"/>
                 <a:cs typeface="Courier New" panose="02070309020205020404" pitchFamily="49" charset="0"/>
               </a:rPr>
-              <a:t>    </a:t>
-            </a:r>
-            <a:r>
-              <a:rPr lang="en-US" altLang="tr-TR" sz="2400" dirty="0" smtClean="0">
+              <a:t>          </a:t>
+            </a:r>
+            <a:r>
+              <a:rPr lang="en-US" altLang="tr-TR" sz="2400" dirty="0">
                 <a:latin typeface="Courier New" panose="02070309020205020404" pitchFamily="49" charset="0"/>
                 <a:cs typeface="Courier New" panose="02070309020205020404" pitchFamily="49" charset="0"/>
               </a:rPr>
-              <a:t>for (</a:t>
-            </a:r>
-            <a:r>
-              <a:rPr lang="en-US" altLang="tr-TR" sz="2400" dirty="0" err="1" smtClean="0">
+              <a:t>M[row][col] = </a:t>
+            </a:r>
+            <a:r>
+              <a:rPr lang="en-US" altLang="tr-TR" sz="2400" dirty="0" err="1">
                 <a:latin typeface="Courier New" panose="02070309020205020404" pitchFamily="49" charset="0"/>
                 <a:cs typeface="Courier New" panose="02070309020205020404" pitchFamily="49" charset="0"/>
               </a:rPr>
-              <a:t>int</a:t>
-            </a:r>
-            <a:r>
-              <a:rPr lang="en-US" altLang="tr-TR" sz="2400" dirty="0" smtClean="0">
+              <a:t>row+col</a:t>
+            </a:r>
+            <a:r>
+              <a:rPr lang="en-US" altLang="tr-TR" sz="2400" dirty="0">
                 <a:latin typeface="Courier New" panose="02070309020205020404" pitchFamily="49" charset="0"/>
                 <a:cs typeface="Courier New" panose="02070309020205020404" pitchFamily="49" charset="0"/>
               </a:rPr>
-              <a:t> col=0; col &lt; 5; col++) { </a:t>
-            </a:r>
-            <a:r>
-              <a:rPr lang="tr-TR" altLang="tr-TR" sz="2400" dirty="0" smtClean="0">
+              <a:t>; </a:t>
+            </a:r>
+            <a:br>
+              <a:rPr lang="tr-TR" altLang="tr-TR" sz="2400" dirty="0">
                 <a:latin typeface="Courier New" panose="02070309020205020404" pitchFamily="49" charset="0"/>
                 <a:cs typeface="Courier New" panose="02070309020205020404" pitchFamily="49" charset="0"/>
               </a:rPr>
-              <a:t/>
-            </a:r>
-            <a:br>
-              <a:rPr lang="tr-TR" altLang="tr-TR" sz="2400" dirty="0" smtClean="0">
+            </a:br>
+            <a:r>
+              <a:rPr lang="tr-TR" altLang="tr-TR" sz="2400" dirty="0">
                 <a:latin typeface="Courier New" panose="02070309020205020404" pitchFamily="49" charset="0"/>
                 <a:cs typeface="Courier New" panose="02070309020205020404" pitchFamily="49" charset="0"/>
               </a:rPr>
-            </a:br>
-            <a:r>
-              <a:rPr lang="tr-TR" altLang="tr-TR" sz="2400" dirty="0" smtClean="0">
+              <a:t>   </a:t>
+            </a:r>
+            <a:r>
+              <a:rPr lang="en-US" altLang="tr-TR" sz="2400" dirty="0">
                 <a:latin typeface="Courier New" panose="02070309020205020404" pitchFamily="49" charset="0"/>
                 <a:cs typeface="Courier New" panose="02070309020205020404" pitchFamily="49" charset="0"/>
               </a:rPr>
-              <a:t>          </a:t>
-            </a:r>
-            <a:r>
-              <a:rPr lang="en-US" altLang="tr-TR" sz="2400" dirty="0" smtClean="0">
+              <a:t>}</a:t>
+            </a:r>
+            <a:br>
+              <a:rPr lang="tr-TR" altLang="tr-TR" sz="2400" dirty="0">
                 <a:latin typeface="Courier New" panose="02070309020205020404" pitchFamily="49" charset="0"/>
                 <a:cs typeface="Courier New" panose="02070309020205020404" pitchFamily="49" charset="0"/>
               </a:rPr>
-              <a:t>M[row][col] = </a:t>
-            </a:r>
-            <a:r>
-              <a:rPr lang="en-US" altLang="tr-TR" sz="2400" dirty="0" err="1" smtClean="0">
+            </a:br>
+            <a:r>
+              <a:rPr lang="en-US" altLang="tr-TR" sz="2400" dirty="0">
                 <a:latin typeface="Courier New" panose="02070309020205020404" pitchFamily="49" charset="0"/>
                 <a:cs typeface="Courier New" panose="02070309020205020404" pitchFamily="49" charset="0"/>
               </a:rPr>
-              <a:t>row+col</a:t>
-            </a:r>
-            <a:r>
-              <a:rPr lang="en-US" altLang="tr-TR" sz="2400" dirty="0" smtClean="0">
+              <a:t> </a:t>
+            </a:r>
+            <a:r>
+              <a:rPr lang="tr-TR" altLang="tr-TR" sz="2400" dirty="0">
                 <a:latin typeface="Courier New" panose="02070309020205020404" pitchFamily="49" charset="0"/>
                 <a:cs typeface="Courier New" panose="02070309020205020404" pitchFamily="49" charset="0"/>
               </a:rPr>
-              <a:t>; </a:t>
-            </a:r>
-            <a:r>
-              <a:rPr lang="tr-TR" altLang="tr-TR" sz="2400" dirty="0" smtClean="0">
+              <a:t> </a:t>
+            </a:r>
+            <a:r>
+              <a:rPr lang="en-US" altLang="tr-TR" sz="2400" dirty="0">
                 <a:latin typeface="Courier New" panose="02070309020205020404" pitchFamily="49" charset="0"/>
                 <a:cs typeface="Courier New" panose="02070309020205020404" pitchFamily="49" charset="0"/>
               </a:rPr>
-              <a:t/>
+              <a:t>}</a:t>
             </a:r>
             <a:br>
-              <a:rPr lang="tr-TR" altLang="tr-TR" sz="2400" dirty="0" smtClean="0">
+              <a:rPr lang="tr-TR" altLang="tr-TR" sz="2400" dirty="0">
                 <a:latin typeface="Courier New" panose="02070309020205020404" pitchFamily="49" charset="0"/>
                 <a:cs typeface="Courier New" panose="02070309020205020404" pitchFamily="49" charset="0"/>
               </a:rPr>
             </a:br>
             <a:r>
-              <a:rPr lang="tr-TR" altLang="tr-TR" sz="2400" dirty="0" smtClean="0">
+              <a:rPr lang="en-US" altLang="tr-TR" sz="2400" dirty="0">
                 <a:latin typeface="Courier New" panose="02070309020205020404" pitchFamily="49" charset="0"/>
                 <a:cs typeface="Courier New" panose="02070309020205020404" pitchFamily="49" charset="0"/>
               </a:rPr>
-              <a:t>   </a:t>
-            </a:r>
-            <a:r>
-              <a:rPr lang="en-US" altLang="tr-TR" sz="2400" dirty="0" smtClean="0">
+              <a:t> }</a:t>
+            </a:r>
+            <a:br>
+              <a:rPr lang="tr-TR" altLang="tr-TR" sz="2400" dirty="0">
                 <a:latin typeface="Courier New" panose="02070309020205020404" pitchFamily="49" charset="0"/>
                 <a:cs typeface="Courier New" panose="02070309020205020404" pitchFamily="49" charset="0"/>
               </a:rPr>
-              <a:t>}</a:t>
-            </a:r>
-            <a:r>
-              <a:rPr lang="tr-TR" altLang="tr-TR" sz="2400" dirty="0" smtClean="0">
-                <a:latin typeface="Courier New" panose="02070309020205020404" pitchFamily="49" charset="0"/>
-                <a:cs typeface="Courier New" panose="02070309020205020404" pitchFamily="49" charset="0"/>
-              </a:rPr>
-              <a:t/>
-            </a:r>
-            <a:br>
-              <a:rPr lang="tr-TR" altLang="tr-TR" sz="2400" dirty="0" smtClean="0">
-                <a:latin typeface="Courier New" panose="02070309020205020404" pitchFamily="49" charset="0"/>
-                <a:cs typeface="Courier New" panose="02070309020205020404" pitchFamily="49" charset="0"/>
-              </a:rPr>
             </a:br>
             <a:r>
-              <a:rPr lang="en-US" altLang="tr-TR" sz="2400" dirty="0" smtClean="0">
-                <a:latin typeface="Courier New" panose="02070309020205020404" pitchFamily="49" charset="0"/>
-                <a:cs typeface="Courier New" panose="02070309020205020404" pitchFamily="49" charset="0"/>
-              </a:rPr>
-              <a:t> </a:t>
-            </a:r>
-            <a:r>
-              <a:rPr lang="tr-TR" altLang="tr-TR" sz="2400" dirty="0" smtClean="0">
-                <a:latin typeface="Courier New" panose="02070309020205020404" pitchFamily="49" charset="0"/>
-                <a:cs typeface="Courier New" panose="02070309020205020404" pitchFamily="49" charset="0"/>
-              </a:rPr>
-              <a:t> </a:t>
-            </a:r>
-            <a:r>
-              <a:rPr lang="en-US" altLang="tr-TR" sz="2400" dirty="0" smtClean="0">
-                <a:latin typeface="Courier New" panose="02070309020205020404" pitchFamily="49" charset="0"/>
-                <a:cs typeface="Courier New" panose="02070309020205020404" pitchFamily="49" charset="0"/>
-              </a:rPr>
-              <a:t>}</a:t>
-            </a:r>
-            <a:r>
-              <a:rPr lang="tr-TR" altLang="tr-TR" sz="2400" dirty="0" smtClean="0">
-                <a:latin typeface="Courier New" panose="02070309020205020404" pitchFamily="49" charset="0"/>
-                <a:cs typeface="Courier New" panose="02070309020205020404" pitchFamily="49" charset="0"/>
-              </a:rPr>
-              <a:t/>
-            </a:r>
-            <a:br>
-              <a:rPr lang="tr-TR" altLang="tr-TR" sz="2400" dirty="0" smtClean="0">
-                <a:latin typeface="Courier New" panose="02070309020205020404" pitchFamily="49" charset="0"/>
-                <a:cs typeface="Courier New" panose="02070309020205020404" pitchFamily="49" charset="0"/>
-              </a:rPr>
-            </a:br>
-            <a:r>
-              <a:rPr lang="en-US" altLang="tr-TR" sz="2400" dirty="0" smtClean="0">
-                <a:latin typeface="Courier New" panose="02070309020205020404" pitchFamily="49" charset="0"/>
-                <a:cs typeface="Courier New" panose="02070309020205020404" pitchFamily="49" charset="0"/>
-              </a:rPr>
-              <a:t> }</a:t>
-            </a:r>
-            <a:r>
-              <a:rPr lang="tr-TR" altLang="tr-TR" sz="2400" dirty="0" smtClean="0">
-                <a:latin typeface="Courier New" panose="02070309020205020404" pitchFamily="49" charset="0"/>
-                <a:cs typeface="Courier New" panose="02070309020205020404" pitchFamily="49" charset="0"/>
-              </a:rPr>
-              <a:t/>
-            </a:r>
-            <a:br>
-              <a:rPr lang="tr-TR" altLang="tr-TR" sz="2400" dirty="0" smtClean="0">
-                <a:latin typeface="Courier New" panose="02070309020205020404" pitchFamily="49" charset="0"/>
-                <a:cs typeface="Courier New" panose="02070309020205020404" pitchFamily="49" charset="0"/>
-              </a:rPr>
-            </a:br>
-            <a:r>
-              <a:rPr lang="en-US" altLang="tr-TR" sz="2400" dirty="0" smtClean="0">
+              <a:rPr lang="en-US" altLang="tr-TR" sz="2400" dirty="0">
                 <a:latin typeface="Courier New" panose="02070309020205020404" pitchFamily="49" charset="0"/>
                 <a:cs typeface="Courier New" panose="02070309020205020404" pitchFamily="49" charset="0"/>
               </a:rPr>
@@ -7820,19 +7485,19 @@
           <a:lstStyle/>
           <a:p>
             <a:r>
-              <a:rPr lang="tr-TR" dirty="0" smtClean="0"/>
+              <a:rPr lang="tr-TR" dirty="0"/>
               <a:t>03</a:t>
             </a:r>
             <a:r>
-              <a:rPr lang="en-US" dirty="0" smtClean="0"/>
+              <a:rPr lang="en-US" dirty="0"/>
               <a:t>.0</a:t>
             </a:r>
             <a:r>
-              <a:rPr lang="tr-TR" dirty="0" smtClean="0"/>
+              <a:rPr lang="tr-TR" dirty="0"/>
               <a:t>3</a:t>
             </a:r>
             <a:r>
-              <a:rPr lang="en-US" dirty="0" smtClean="0"/>
+              <a:rPr lang="en-US" dirty="0"/>
               <a:t>.2020 </a:t>
             </a:r>
             <a:endParaRPr lang="tr-TR" dirty="0"/>
@@ -7894,10 +7559,9 @@
           <a:lstStyle/>
           <a:p>
             <a:r>
-              <a:rPr lang="tr-TR" dirty="0" smtClean="0"/>
+              <a:rPr lang="tr-TR" dirty="0"/>
               <a:t>LAB STUDY</a:t>
             </a:r>
-            <a:endParaRPr lang="tr-TR" dirty="0"/>
           </a:p>
         </p:txBody>
       </p:sp>
@@ -7919,87 +7583,130 @@
           <a:lstStyle/>
           <a:p>
             <a:r>
-              <a:rPr lang="tr-TR" b="1" dirty="0" smtClean="0"/>
-              <a:t>Ekrandan alacağınız 5 </a:t>
-            </a:r>
-            <a:r>
-              <a:rPr lang="tr-TR" b="1" dirty="0" smtClean="0"/>
-              <a:t>adet tamsayıyı küçükten büyüğe doğru sıralayan Java programını </a:t>
-            </a:r>
-            <a:r>
-              <a:rPr lang="tr-TR" b="1" dirty="0" smtClean="0"/>
-              <a:t>geliştiriniz</a:t>
-            </a:r>
-            <a:r>
-              <a:rPr lang="tr-TR" b="1" dirty="0" smtClean="0"/>
-              <a:t>. </a:t>
+              <a:rPr lang="tr-TR" b="1" dirty="0"/>
+              <a:t>Ekrandan alacağınız </a:t>
+            </a:r>
+            <a:r>
+              <a:rPr lang="en-US" b="1" dirty="0"/>
+              <a:t>N</a:t>
+            </a:r>
+            <a:r>
+              <a:rPr lang="tr-TR" b="1" dirty="0"/>
+              <a:t> adet </a:t>
+            </a:r>
+            <a:r>
+              <a:rPr lang="tr-TR" b="1" dirty="0" err="1"/>
+              <a:t>tamsay</a:t>
+            </a:r>
+            <a:r>
+              <a:rPr lang="en-US" b="1" dirty="0" err="1"/>
+              <a:t>ının</a:t>
+            </a:r>
+            <a:r>
+              <a:rPr lang="en-US" b="1" dirty="0"/>
+              <a:t> </a:t>
+            </a:r>
+            <a:r>
+              <a:rPr lang="en-US" b="1" dirty="0" err="1"/>
+              <a:t>toplamını</a:t>
+            </a:r>
+            <a:r>
+              <a:rPr lang="en-US" b="1" dirty="0"/>
+              <a:t> </a:t>
+            </a:r>
+            <a:r>
+              <a:rPr lang="en-US" b="1" dirty="0" err="1"/>
+              <a:t>hesaplayan</a:t>
+            </a:r>
+            <a:r>
+              <a:rPr lang="en-US" b="1" dirty="0"/>
+              <a:t> </a:t>
+            </a:r>
+            <a:r>
+              <a:rPr lang="tr-TR" b="1" dirty="0"/>
+              <a:t>Java programını geliştiriniz. </a:t>
             </a:r>
             <a:endParaRPr lang="tr-TR" dirty="0"/>
           </a:p>
           <a:p>
             <a:r>
-              <a:rPr lang="tr-TR" dirty="0" smtClean="0"/>
+              <a:rPr lang="tr-TR" dirty="0"/>
               <a:t>Örnek </a:t>
             </a:r>
             <a:r>
-              <a:rPr lang="tr-TR" dirty="0" err="1" smtClean="0"/>
+              <a:rPr lang="tr-TR" dirty="0" err="1"/>
               <a:t>Input</a:t>
             </a:r>
             <a:r>
-              <a:rPr lang="tr-TR" dirty="0" smtClean="0"/>
+              <a:rPr lang="en-US" dirty="0"/>
+              <a:t> (N = 5)</a:t>
+            </a:r>
+            <a:r>
+              <a:rPr lang="tr-TR" dirty="0"/>
               <a:t>:</a:t>
             </a:r>
+          </a:p>
+          <a:p>
+            <a:pPr lvl="1"/>
+            <a:r>
+              <a:rPr lang="en-US" dirty="0"/>
+              <a:t>1</a:t>
+            </a:r>
             <a:endParaRPr lang="tr-TR" dirty="0"/>
           </a:p>
           <a:p>
             <a:pPr lvl="1"/>
             <a:r>
-              <a:rPr lang="tr-TR" dirty="0" smtClean="0"/>
-              <a:t>15</a:t>
-            </a:r>
+              <a:rPr lang="en-US" dirty="0"/>
+              <a:t>2</a:t>
+            </a:r>
+            <a:endParaRPr lang="tr-TR" dirty="0"/>
           </a:p>
           <a:p>
             <a:pPr lvl="1"/>
             <a:r>
-              <a:rPr lang="tr-TR" dirty="0" smtClean="0"/>
-              <a:t>10</a:t>
+              <a:rPr lang="tr-TR" dirty="0"/>
+              <a:t>3</a:t>
             </a:r>
           </a:p>
           <a:p>
             <a:pPr lvl="1"/>
             <a:r>
-              <a:rPr lang="tr-TR" dirty="0" smtClean="0"/>
-              <a:t>32</a:t>
-            </a:r>
+              <a:rPr lang="en-US" dirty="0"/>
+              <a:t>4</a:t>
+            </a:r>
+            <a:endParaRPr lang="tr-TR" dirty="0"/>
           </a:p>
           <a:p>
             <a:pPr lvl="1"/>
             <a:r>
-              <a:rPr lang="tr-TR" dirty="0" smtClean="0"/>
-              <a:t>3</a:t>
-            </a:r>
-          </a:p>
-          <a:p>
-            <a:pPr lvl="1"/>
-            <a:r>
-              <a:rPr lang="tr-TR" dirty="0" smtClean="0"/>
-              <a:t>18</a:t>
+              <a:rPr lang="en-US" dirty="0"/>
+              <a:t>5</a:t>
             </a:r>
             <a:endParaRPr lang="tr-TR" dirty="0"/>
           </a:p>
           <a:p>
             <a:r>
-              <a:rPr lang="tr-TR" dirty="0" smtClean="0"/>
-              <a:t>Örnek </a:t>
-            </a:r>
-            <a:r>
-              <a:rPr lang="tr-TR" dirty="0" err="1" smtClean="0"/>
+              <a:rPr lang="tr-TR" dirty="0"/>
+              <a:t> </a:t>
+            </a:r>
+            <a:r>
+              <a:rPr lang="tr-TR" dirty="0" err="1"/>
               <a:t>Output</a:t>
             </a:r>
             <a:r>
-              <a:rPr lang="tr-TR" dirty="0" smtClean="0"/>
-              <a:t>: 3,10,15,18,32</a:t>
-            </a:r>
+              <a:rPr lang="tr-TR" dirty="0"/>
+              <a:t>:</a:t>
+            </a:r>
+            <a:r>
+              <a:rPr lang="en-US"/>
+              <a:t>  Sum </a:t>
+            </a:r>
+            <a:r>
+              <a:rPr lang="en-US" dirty="0"/>
+              <a:t>= 15</a:t>
+            </a:r>
+            <a:endParaRPr lang="tr-TR" dirty="0"/>
           </a:p>
         </p:txBody>
       </p:sp>
@@ -8030,19 +7737,19 @@
           <a:lstStyle/>
           <a:p>
             <a:r>
-              <a:rPr lang="tr-TR" dirty="0" smtClean="0"/>
+              <a:rPr lang="tr-TR" dirty="0"/>
               <a:t>03</a:t>
             </a:r>
             <a:r>
-              <a:rPr lang="en-US" dirty="0" smtClean="0"/>
+              <a:rPr lang="en-US" dirty="0"/>
               <a:t>.0</a:t>
             </a:r>
             <a:r>
-              <a:rPr lang="tr-TR" dirty="0" smtClean="0"/>
+              <a:rPr lang="tr-TR" dirty="0"/>
               <a:t>3</a:t>
             </a:r>
             <a:r>
-              <a:rPr lang="en-US" dirty="0" smtClean="0"/>
+              <a:rPr lang="en-US" dirty="0"/>
               <a:t>.2020 </a:t>
             </a:r>
             <a:endParaRPr lang="tr-TR" dirty="0"/>
@@ -8053,241 +7760,6 @@
     <p:extLst>
       <p:ext uri="{BB962C8B-B14F-4D97-AF65-F5344CB8AC3E}">
         <p14:creationId xmlns:p14="http://schemas.microsoft.com/office/powerpoint/2010/main" val="3548406781"/>
-      </p:ext>
-    </p:extLst>
-  </p:cSld>
-  <p:clrMapOvr>
-    <a:masterClrMapping/>
-  </p:clrMapOvr>
-  <p:transition spd="slow">
-    <p:push dir="u"/>
-  </p:transition>
-</p:sld>
-</file>
-
-<file path=ppt/slides/slide19.xml><?xml version="1.0" encoding="utf-8"?>
-<p:sld xmlns:a="http://schemas.openxmlformats.org/drawingml/2006/main" xmlns:r="http://schemas.openxmlformats.org/officeDocument/2006/relationships" xmlns:p="http://schemas.openxmlformats.org/presentationml/2006/main">
-  <p:cSld>
-    <p:spTree>
-      <p:nvGrpSpPr>
-        <p:cNvPr id="1" name=""/>
-        <p:cNvGrpSpPr/>
-        <p:nvPr/>
-      </p:nvGrpSpPr>
-      <p:grpSpPr>
-        <a:xfrm>
-          <a:off x="0" y="0"/>
-          <a:ext cx="0" cy="0"/>
-          <a:chOff x="0" y="0"/>
-          <a:chExt cx="0" cy="0"/>
-        </a:xfrm>
-      </p:grpSpPr>
-      <p:sp>
-        <p:nvSpPr>
-          <p:cNvPr id="2" name="Unvan 1">
-            <a:extLst>
-              <a:ext uri="{FF2B5EF4-FFF2-40B4-BE49-F238E27FC236}">
-                <a16:creationId xmlns:a16="http://schemas.microsoft.com/office/drawing/2014/main" id="{B740C7A5-9BC9-4141-8912-18232CC32D46}"/>
-              </a:ext>
-            </a:extLst>
-          </p:cNvPr>
-          <p:cNvSpPr>
-            <a:spLocks noGrp="1"/>
-          </p:cNvSpPr>
-          <p:nvPr>
-            <p:ph type="title" idx="4294967295"/>
-          </p:nvPr>
-        </p:nvSpPr>
-        <p:spPr>
-          <a:xfrm>
-            <a:off x="1711538" y="2013742"/>
-            <a:ext cx="9604375" cy="1049337"/>
-          </a:xfrm>
-        </p:spPr>
-        <p:txBody>
-          <a:bodyPr/>
-          <a:lstStyle/>
-          <a:p>
-            <a:r>
-              <a:rPr lang="tr-TR" dirty="0"/>
-              <a:t>  			</a:t>
-            </a:r>
-            <a:br>
-              <a:rPr lang="tr-TR" dirty="0"/>
-            </a:br>
-            <a:r>
-              <a:rPr lang="tr-TR" dirty="0"/>
-              <a:t>			</a:t>
-            </a:r>
-            <a:r>
-              <a:rPr lang="tr-TR" b="1" dirty="0"/>
-              <a:t>tHANKS!</a:t>
-            </a:r>
-          </a:p>
-        </p:txBody>
-      </p:sp>
-      <p:pic>
-        <p:nvPicPr>
-          <p:cNvPr id="4" name="Resim 3">
-            <a:extLst>
-              <a:ext uri="{FF2B5EF4-FFF2-40B4-BE49-F238E27FC236}">
-                <a16:creationId xmlns:a16="http://schemas.microsoft.com/office/drawing/2014/main" id="{7EBD84EC-9655-4A4A-B680-AD8687D1CB90}"/>
-              </a:ext>
-            </a:extLst>
-          </p:cNvPr>
-          <p:cNvPicPr>
-            <a:picLocks noChangeAspect="1"/>
-          </p:cNvPicPr>
-          <p:nvPr/>
-        </p:nvPicPr>
-        <p:blipFill>
-          <a:blip r:embed="rId3"/>
-          <a:stretch>
-            <a:fillRect/>
-          </a:stretch>
-        </p:blipFill>
-        <p:spPr>
-          <a:xfrm>
-            <a:off x="7926243" y="4585252"/>
-            <a:ext cx="3389670" cy="784484"/>
-          </a:xfrm>
-          <a:prstGeom prst="rect">
-            <a:avLst/>
-          </a:prstGeom>
-        </p:spPr>
-      </p:pic>
-      <p:sp>
-        <p:nvSpPr>
-          <p:cNvPr id="5" name="Metin kutusu 4">
-            <a:extLst>
-              <a:ext uri="{FF2B5EF4-FFF2-40B4-BE49-F238E27FC236}">
-                <a16:creationId xmlns:a16="http://schemas.microsoft.com/office/drawing/2014/main" id="{7D18442F-03DB-48A8-A1D6-4BD419280380}"/>
-              </a:ext>
-            </a:extLst>
-          </p:cNvPr>
-          <p:cNvSpPr txBox="1"/>
-          <p:nvPr/>
-        </p:nvSpPr>
-        <p:spPr>
-          <a:xfrm>
-            <a:off x="8388627" y="4215920"/>
-            <a:ext cx="3389670" cy="369332"/>
-          </a:xfrm>
-          <a:prstGeom prst="rect">
-            <a:avLst/>
-          </a:prstGeom>
-          <a:noFill/>
-        </p:spPr>
-        <p:txBody>
-          <a:bodyPr wrap="square" rtlCol="0">
-            <a:spAutoFit/>
-          </a:bodyPr>
-          <a:lstStyle/>
-          <a:p>
-            <a:r>
-              <a:rPr lang="tr-TR" dirty="0"/>
-              <a:t>handanyarici@gmail.com</a:t>
-            </a:r>
-          </a:p>
-        </p:txBody>
-      </p:sp>
-      <p:pic>
-        <p:nvPicPr>
-          <p:cNvPr id="5128" name="Picture 8" descr="Görsel sonucu">
-            <a:extLst>
-              <a:ext uri="{FF2B5EF4-FFF2-40B4-BE49-F238E27FC236}">
-                <a16:creationId xmlns:a16="http://schemas.microsoft.com/office/drawing/2014/main" id="{97302985-C5D0-448B-ABE6-5F95F776A39E}"/>
-              </a:ext>
-            </a:extLst>
-          </p:cNvPr>
-          <p:cNvPicPr>
-            <a:picLocks noChangeAspect="1" noChangeArrowheads="1"/>
-          </p:cNvPicPr>
-          <p:nvPr/>
-        </p:nvPicPr>
-        <p:blipFill>
-          <a:blip r:embed="rId4" cstate="hqprint">
-            <a:extLst>
-              <a:ext uri="{28A0092B-C50C-407E-A947-70E740481C1C}">
-                <a14:useLocalDpi xmlns:a14="http://schemas.microsoft.com/office/drawing/2010/main" val="0"/>
-              </a:ext>
-            </a:extLst>
-          </a:blip>
-          <a:srcRect/>
-          <a:stretch>
-            <a:fillRect/>
-          </a:stretch>
-        </p:blipFill>
-        <p:spPr bwMode="auto">
-          <a:xfrm flipH="1">
-            <a:off x="8169716" y="4319589"/>
-            <a:ext cx="218911" cy="161994"/>
-          </a:xfrm>
-          <a:prstGeom prst="rect">
-            <a:avLst/>
-          </a:prstGeom>
-          <a:noFill/>
-          <a:extLst>
-            <a:ext uri="{909E8E84-426E-40DD-AFC4-6F175D3DCCD1}">
-              <a14:hiddenFill xmlns:a14="http://schemas.microsoft.com/office/drawing/2010/main">
-                <a:solidFill>
-                  <a:srgbClr val="FFFFFF"/>
-                </a:solidFill>
-              </a14:hiddenFill>
-            </a:ext>
-          </a:extLst>
-        </p:spPr>
-      </p:pic>
-      <p:sp>
-        <p:nvSpPr>
-          <p:cNvPr id="7" name="Date Placeholder 5">
-            <a:extLst>
-              <a:ext uri="{FF2B5EF4-FFF2-40B4-BE49-F238E27FC236}">
-                <a16:creationId xmlns:a16="http://schemas.microsoft.com/office/drawing/2014/main" id="{F0751687-922C-4419-B37C-E1742F5D6BAE}"/>
-              </a:ext>
-            </a:extLst>
-          </p:cNvPr>
-          <p:cNvSpPr>
-            <a:spLocks noGrp="1"/>
-          </p:cNvSpPr>
-          <p:nvPr>
-            <p:ph type="dt" sz="half" idx="10"/>
-          </p:nvPr>
-        </p:nvSpPr>
-        <p:spPr>
-          <a:xfrm>
-            <a:off x="7554138" y="330370"/>
-            <a:ext cx="3500715" cy="309201"/>
-          </a:xfrm>
-        </p:spPr>
-        <p:txBody>
-          <a:bodyPr/>
-          <a:lstStyle/>
-          <a:p>
-            <a:r>
-              <a:rPr lang="tr-TR" dirty="0" smtClean="0"/>
-              <a:t>03</a:t>
-            </a:r>
-            <a:r>
-              <a:rPr lang="en-US" dirty="0" smtClean="0"/>
-              <a:t>.0</a:t>
-            </a:r>
-            <a:r>
-              <a:rPr lang="tr-TR" dirty="0" smtClean="0"/>
-              <a:t>3</a:t>
-            </a:r>
-            <a:r>
-              <a:rPr lang="en-US" dirty="0" smtClean="0"/>
-              <a:t>.2020 </a:t>
-            </a:r>
-            <a:endParaRPr lang="tr-TR" dirty="0"/>
-          </a:p>
-        </p:txBody>
-      </p:sp>
-    </p:spTree>
-    <p:extLst>
-      <p:ext uri="{BB962C8B-B14F-4D97-AF65-F5344CB8AC3E}">
-        <p14:creationId xmlns:p14="http://schemas.microsoft.com/office/powerpoint/2010/main" val="2345335890"/>
       </p:ext>
     </p:extLst>
   </p:cSld>
@@ -8337,7 +7809,7 @@
               <a:t>Java </a:t>
             </a:r>
             <a:r>
-              <a:rPr lang="tr-TR" altLang="en-US" dirty="0" smtClean="0"/>
+              <a:rPr lang="tr-TR" altLang="en-US" dirty="0"/>
               <a:t>DIZILER</a:t>
             </a:r>
             <a:endParaRPr lang="en-US" dirty="0"/>
@@ -8384,11 +7856,7 @@
             </a:r>
             <a:r>
               <a:rPr lang="tr-TR" altLang="tr-TR" dirty="0"/>
-              <a:t>belirli sayıda ve aynı veri türünden değişkenlere aynı adla erişilmesini sağlayan bir yapıdır</a:t>
-            </a:r>
-            <a:r>
-              <a:rPr lang="tr-TR" altLang="tr-TR" dirty="0" smtClean="0"/>
-              <a:t>.</a:t>
+              <a:t>belirli sayıda ve aynı veri türünden değişkenlere aynı adla erişilmesini sağlayan bir yapıdır.</a:t>
             </a:r>
           </a:p>
           <a:p>
@@ -8423,11 +7891,7 @@
             </a:r>
             <a:r>
               <a:rPr lang="tr-TR" altLang="tr-TR" dirty="0"/>
-              <a:t> döngüleri dizilerle kullanılmaya çok uygundur</a:t>
-            </a:r>
-            <a:r>
-              <a:rPr lang="tr-TR" altLang="tr-TR" dirty="0" smtClean="0"/>
-              <a:t>.</a:t>
+              <a:t> döngüleri dizilerle kullanılmaya çok uygundur.</a:t>
             </a:r>
           </a:p>
           <a:p>
@@ -8446,11 +7910,7 @@
             </a:pPr>
             <a:r>
               <a:rPr lang="tr-TR" altLang="tr-TR" dirty="0"/>
-              <a:t>Diziler tek boyutlu olabileceği gibi iki veya daha çok boyutlu da olabilirler. Matrisler iki boyutlu dizilere örnektir</a:t>
-            </a:r>
-            <a:r>
-              <a:rPr lang="tr-TR" altLang="tr-TR" dirty="0" smtClean="0"/>
-              <a:t>.</a:t>
+              <a:t>Diziler tek boyutlu olabileceği gibi iki veya daha çok boyutlu da olabilirler. Matrisler iki boyutlu dizilere örnektir.</a:t>
             </a:r>
           </a:p>
           <a:p>
@@ -8576,19 +8036,19 @@
           <a:lstStyle/>
           <a:p>
             <a:r>
-              <a:rPr lang="tr-TR" dirty="0" smtClean="0"/>
+              <a:rPr lang="tr-TR" dirty="0"/>
               <a:t>03</a:t>
             </a:r>
             <a:r>
-              <a:rPr lang="en-US" dirty="0" smtClean="0"/>
+              <a:rPr lang="en-US" dirty="0"/>
               <a:t>.0</a:t>
             </a:r>
             <a:r>
-              <a:rPr lang="tr-TR" dirty="0" smtClean="0"/>
+              <a:rPr lang="tr-TR" dirty="0"/>
               <a:t>3</a:t>
             </a:r>
             <a:r>
-              <a:rPr lang="en-US" dirty="0" smtClean="0"/>
+              <a:rPr lang="en-US" dirty="0"/>
               <a:t>.2020 </a:t>
             </a:r>
             <a:endParaRPr lang="tr-TR" dirty="0"/>
@@ -8648,7 +8108,7 @@
               <a:t>Java </a:t>
             </a:r>
             <a:r>
-              <a:rPr lang="tr-TR" altLang="en-US" dirty="0" err="1" smtClean="0"/>
+              <a:rPr lang="tr-TR" altLang="en-US" dirty="0" err="1"/>
               <a:t>dIZILER</a:t>
             </a:r>
             <a:endParaRPr lang="en-US" dirty="0"/>
@@ -8741,34 +8201,16 @@
               </a:rPr>
               <a:t> = new char[80];</a:t>
             </a:r>
-            <a:r>
-              <a:rPr lang="tr-TR" dirty="0">
-                <a:latin typeface="Courier New" pitchFamily="49" charset="0"/>
-              </a:rPr>
-              <a:t/>
-            </a:r>
             <a:br>
               <a:rPr lang="tr-TR" dirty="0">
                 <a:latin typeface="Courier New" pitchFamily="49" charset="0"/>
               </a:rPr>
             </a:br>
-            <a:r>
-              <a:rPr lang="en-US" dirty="0">
-                <a:latin typeface="Courier New" pitchFamily="49" charset="0"/>
-              </a:rPr>
-              <a:t/>
-            </a:r>
             <a:br>
               <a:rPr lang="en-US" dirty="0">
                 <a:latin typeface="Courier New" pitchFamily="49" charset="0"/>
               </a:rPr>
             </a:br>
-            <a:r>
-              <a:rPr lang="en-US" sz="400" dirty="0">
-                <a:latin typeface="Courier New" pitchFamily="49" charset="0"/>
-              </a:rPr>
-              <a:t/>
-            </a:r>
             <a:br>
               <a:rPr lang="en-US" sz="400" dirty="0">
                 <a:latin typeface="Courier New" pitchFamily="49" charset="0"/>
@@ -8825,15 +8267,9 @@
               <a:rPr lang="en-US" dirty="0">
                 <a:latin typeface="Courier New" pitchFamily="49" charset="0"/>
               </a:rPr>
-              <a:t> = new double[100</a:t>
-            </a:r>
-            <a:r>
-              <a:rPr lang="en-US" dirty="0" smtClean="0">
-                <a:latin typeface="Courier New" pitchFamily="49" charset="0"/>
-              </a:rPr>
-              <a:t>];</a:t>
-            </a:r>
-            <a:endParaRPr lang="tr-TR" dirty="0" smtClean="0">
+              <a:t> = new double[100];</a:t>
+            </a:r>
+            <a:endParaRPr lang="tr-TR" dirty="0">
               <a:latin typeface="Courier New" pitchFamily="49" charset="0"/>
             </a:endParaRPr>
           </a:p>
@@ -8909,7 +8345,6 @@
               <a:rPr lang="en-US" dirty="0"/>
               <a:t>;</a:t>
             </a:r>
-            <a:endParaRPr lang="en-US" dirty="0"/>
           </a:p>
         </p:txBody>
       </p:sp>
@@ -8940,19 +8375,19 @@
           <a:lstStyle/>
           <a:p>
             <a:r>
-              <a:rPr lang="tr-TR" dirty="0" smtClean="0"/>
+              <a:rPr lang="tr-TR" dirty="0"/>
               <a:t>03</a:t>
             </a:r>
             <a:r>
-              <a:rPr lang="en-US" dirty="0" smtClean="0"/>
+              <a:rPr lang="en-US" dirty="0"/>
               <a:t>.0</a:t>
             </a:r>
             <a:r>
-              <a:rPr lang="tr-TR" dirty="0" smtClean="0"/>
+              <a:rPr lang="tr-TR" dirty="0"/>
               <a:t>3</a:t>
             </a:r>
             <a:r>
-              <a:rPr lang="en-US" dirty="0" smtClean="0"/>
+              <a:rPr lang="en-US" dirty="0"/>
               <a:t>.2020 </a:t>
             </a:r>
             <a:endParaRPr lang="tr-TR" dirty="0"/>
@@ -9197,11 +8632,7 @@
             </a:r>
             <a:r>
               <a:rPr lang="tr-TR" dirty="0"/>
-              <a:t>verinin türünü </a:t>
-            </a:r>
-            <a:r>
-              <a:rPr lang="tr-TR" dirty="0" smtClean="0"/>
-              <a:t>değil</a:t>
+              <a:t>verinin türünü değil</a:t>
             </a:r>
             <a:endParaRPr lang="en-US" dirty="0"/>
           </a:p>
@@ -9250,12 +8681,6 @@
               </a:rPr>
               <a:t>[100];</a:t>
             </a:r>
-            <a:r>
-              <a:rPr lang="tr-TR" sz="1800" dirty="0">
-                <a:latin typeface="Courier New" pitchFamily="49" charset="0"/>
-              </a:rPr>
-              <a:t/>
-            </a:r>
             <a:br>
               <a:rPr lang="tr-TR" sz="1800" dirty="0">
                 <a:latin typeface="Courier New" pitchFamily="49" charset="0"/>
@@ -9273,10 +8698,6 @@
               <a:rPr lang="en-US" sz="1800" dirty="0"/>
               <a:t>[3]; </a:t>
             </a:r>
-            <a:r>
-              <a:rPr lang="tr-TR" sz="1800" dirty="0"/>
-              <a:t/>
-            </a:r>
             <a:br>
               <a:rPr lang="tr-TR" sz="1800" dirty="0"/>
             </a:br>
@@ -9288,10 +8709,6 @@
               <a:rPr lang="en-US" sz="1800" dirty="0"/>
               <a:t> = new float[7]; </a:t>
             </a:r>
-            <a:r>
-              <a:rPr lang="tr-TR" sz="1800" dirty="0"/>
-              <a:t/>
-            </a:r>
             <a:br>
               <a:rPr lang="tr-TR" sz="1800" dirty="0"/>
             </a:br>
@@ -9301,11 +8718,7 @@
             </a:r>
             <a:r>
               <a:rPr lang="en-US" sz="1800" dirty="0"/>
-              <a:t> = new String[50</a:t>
-            </a:r>
-            <a:r>
-              <a:rPr lang="en-US" sz="1800" dirty="0" smtClean="0"/>
-              <a:t>];</a:t>
+              <a:t> = new String[50];</a:t>
             </a:r>
             <a:endParaRPr lang="en-US" sz="1800" dirty="0">
               <a:latin typeface="Courier New" pitchFamily="49" charset="0"/>
@@ -9328,10 +8741,6 @@
               <a:rPr lang="tr-TR" sz="1800" dirty="0"/>
               <a:t>Dizi içindeki bir elemanı isimlendirmek için</a:t>
             </a:r>
-            <a:r>
-              <a:rPr lang="en-US" sz="1800" dirty="0"/>
-              <a:t/>
-            </a:r>
             <a:br>
               <a:rPr lang="en-US" sz="1800" dirty="0"/>
             </a:br>
@@ -9343,10 +8752,6 @@
               <a:rPr lang="tr-TR" sz="1800" dirty="0"/>
               <a:t>indexlenmiş değişken de denir</a:t>
             </a:r>
-            <a:r>
-              <a:rPr lang="en-US" sz="1800" dirty="0"/>
-              <a:t/>
-            </a:r>
             <a:br>
               <a:rPr lang="en-US" sz="1800" dirty="0"/>
             </a:br>
@@ -9363,16 +8768,10 @@
               <a:t>[3] = </a:t>
             </a:r>
             <a:r>
-              <a:rPr lang="tr-TR" sz="1800" dirty="0" smtClean="0">
+              <a:rPr lang="tr-TR" sz="1800" dirty="0">
                 <a:latin typeface="Courier New" pitchFamily="49" charset="0"/>
               </a:rPr>
               <a:t>34;</a:t>
-            </a:r>
-            <a:r>
-              <a:rPr lang="en-US" sz="1800" dirty="0">
-                <a:latin typeface="Courier New" pitchFamily="49" charset="0"/>
-              </a:rPr>
-              <a:t/>
             </a:r>
             <a:br>
               <a:rPr lang="en-US" sz="1800" dirty="0">
@@ -9458,19 +8857,19 @@
           <a:lstStyle/>
           <a:p>
             <a:r>
-              <a:rPr lang="tr-TR" dirty="0" smtClean="0"/>
+              <a:rPr lang="tr-TR" dirty="0"/>
               <a:t>03</a:t>
             </a:r>
             <a:r>
-              <a:rPr lang="en-US" dirty="0" smtClean="0"/>
+              <a:rPr lang="en-US" dirty="0"/>
               <a:t>.0</a:t>
             </a:r>
             <a:r>
-              <a:rPr lang="tr-TR" dirty="0" smtClean="0"/>
+              <a:rPr lang="tr-TR" dirty="0"/>
               <a:t>3</a:t>
             </a:r>
             <a:r>
-              <a:rPr lang="en-US" dirty="0" smtClean="0"/>
+              <a:rPr lang="en-US" dirty="0"/>
               <a:t>.2020 </a:t>
             </a:r>
             <a:endParaRPr lang="tr-TR" dirty="0"/>
@@ -9599,19 +8998,19 @@
           <a:lstStyle/>
           <a:p>
             <a:r>
-              <a:rPr lang="tr-TR" dirty="0" smtClean="0"/>
+              <a:rPr lang="tr-TR" dirty="0"/>
               <a:t>03</a:t>
             </a:r>
             <a:r>
-              <a:rPr lang="en-US" dirty="0" smtClean="0"/>
+              <a:rPr lang="en-US" dirty="0"/>
               <a:t>.0</a:t>
             </a:r>
             <a:r>
-              <a:rPr lang="tr-TR" dirty="0" smtClean="0"/>
+              <a:rPr lang="tr-TR" dirty="0"/>
               <a:t>3</a:t>
             </a:r>
             <a:r>
-              <a:rPr lang="en-US" dirty="0" smtClean="0"/>
+              <a:rPr lang="en-US" dirty="0"/>
               <a:t>.2020 </a:t>
             </a:r>
             <a:endParaRPr lang="tr-TR" dirty="0"/>
@@ -10002,19 +9401,19 @@
           <a:lstStyle/>
           <a:p>
             <a:r>
-              <a:rPr lang="tr-TR" dirty="0" smtClean="0"/>
+              <a:rPr lang="tr-TR" dirty="0"/>
               <a:t>03</a:t>
             </a:r>
             <a:r>
-              <a:rPr lang="en-US" dirty="0" smtClean="0"/>
+              <a:rPr lang="en-US" dirty="0"/>
               <a:t>.0</a:t>
             </a:r>
             <a:r>
-              <a:rPr lang="tr-TR" dirty="0" smtClean="0"/>
+              <a:rPr lang="tr-TR" dirty="0"/>
               <a:t>3</a:t>
             </a:r>
             <a:r>
-              <a:rPr lang="en-US" dirty="0" smtClean="0"/>
+              <a:rPr lang="en-US" dirty="0"/>
               <a:t>.2020 </a:t>
             </a:r>
             <a:endParaRPr lang="tr-TR" dirty="0"/>
@@ -10302,12 +9701,12 @@
           <a:graphicData uri="http://schemas.openxmlformats.org/presentationml/2006/ole">
             <mc:AlternateContent xmlns:mc="http://schemas.openxmlformats.org/markup-compatibility/2006">
               <mc:Choice xmlns:v="urn:schemas-microsoft-com:vml" Requires="v">
-                <p:oleObj spid="_x0000_s1111" name="Document" r:id="rId3" imgW="4326999" imgH="801523" progId="Word.Document.8">
+                <p:oleObj name="Document" r:id="rId2" imgW="4326999" imgH="801523" progId="Word.Document.8">
                   <p:embed/>
                 </p:oleObj>
               </mc:Choice>
               <mc:Fallback>
-                <p:oleObj name="Document" r:id="rId3" imgW="4326999" imgH="801523" progId="Word.Document.8">
+                <p:oleObj name="Document" r:id="rId2" imgW="4326999" imgH="801523" progId="Word.Document.8">
                   <p:embed/>
                   <p:pic>
                     <p:nvPicPr>
@@ -10318,7 +9717,7 @@
                       <p:nvPr/>
                     </p:nvPicPr>
                     <p:blipFill>
-                      <a:blip r:embed="rId4">
+                      <a:blip r:embed="rId3">
                         <a:extLst>
                           <a:ext uri="{28A0092B-C50C-407E-A947-70E740481C1C}">
                             <a14:useLocalDpi xmlns:a14="http://schemas.microsoft.com/office/drawing/2010/main" val="0"/>
@@ -10406,19 +9805,19 @@
           <a:lstStyle/>
           <a:p>
             <a:r>
-              <a:rPr lang="tr-TR" dirty="0" smtClean="0"/>
+              <a:rPr lang="tr-TR" dirty="0"/>
               <a:t>03</a:t>
             </a:r>
             <a:r>
-              <a:rPr lang="en-US" dirty="0" smtClean="0"/>
+              <a:rPr lang="en-US" dirty="0"/>
               <a:t>.0</a:t>
             </a:r>
             <a:r>
-              <a:rPr lang="tr-TR" dirty="0" smtClean="0"/>
+              <a:rPr lang="tr-TR" dirty="0"/>
               <a:t>3</a:t>
             </a:r>
             <a:r>
-              <a:rPr lang="en-US" dirty="0" smtClean="0"/>
+              <a:rPr lang="en-US" dirty="0"/>
               <a:t>.2020 </a:t>
             </a:r>
             <a:endParaRPr lang="tr-TR" dirty="0"/>
@@ -10661,19 +10060,19 @@
           <a:lstStyle/>
           <a:p>
             <a:r>
-              <a:rPr lang="tr-TR" dirty="0" smtClean="0"/>
+              <a:rPr lang="tr-TR" dirty="0"/>
               <a:t>03</a:t>
             </a:r>
             <a:r>
-              <a:rPr lang="en-US" dirty="0" smtClean="0"/>
+              <a:rPr lang="en-US" dirty="0"/>
               <a:t>.0</a:t>
             </a:r>
             <a:r>
-              <a:rPr lang="tr-TR" dirty="0" smtClean="0"/>
+              <a:rPr lang="tr-TR" dirty="0"/>
               <a:t>3</a:t>
             </a:r>
             <a:r>
-              <a:rPr lang="en-US" dirty="0" smtClean="0"/>
+              <a:rPr lang="en-US" dirty="0"/>
               <a:t>.2020 </a:t>
             </a:r>
             <a:endParaRPr lang="tr-TR" dirty="0"/>
@@ -10746,7 +10145,6 @@
               <a:rPr lang="tr-TR" dirty="0"/>
               <a:t> parametre olarak vermek</a:t>
             </a:r>
-            <a:endParaRPr lang="tr-TR" dirty="0"/>
           </a:p>
         </p:txBody>
       </p:sp>
@@ -10801,19 +10199,19 @@
           <a:lstStyle/>
           <a:p>
             <a:r>
-              <a:rPr lang="tr-TR" dirty="0" smtClean="0"/>
+              <a:rPr lang="tr-TR" dirty="0"/>
               <a:t>03</a:t>
             </a:r>
             <a:r>
-              <a:rPr lang="en-US" dirty="0" smtClean="0"/>
+              <a:rPr lang="en-US" dirty="0"/>
               <a:t>.0</a:t>
             </a:r>
             <a:r>
-              <a:rPr lang="tr-TR" dirty="0" smtClean="0"/>
+              <a:rPr lang="tr-TR" dirty="0"/>
               <a:t>3</a:t>
             </a:r>
             <a:r>
-              <a:rPr lang="en-US" dirty="0" smtClean="0"/>
+              <a:rPr lang="en-US" dirty="0"/>
               <a:t>.2020 </a:t>
             </a:r>
             <a:endParaRPr lang="tr-TR" dirty="0"/>
